--- a/Tretty_Praesentation.pptx
+++ b/Tretty_Praesentation.pptx
@@ -8226,6 +8226,18 @@
   <p:clrMapOvr>
     <a:masterClrMapping/>
   </p:clrMapOvr>
+  <mc:AlternateContent xmlns:mc="http://schemas.openxmlformats.org/markup-compatibility/2006">
+    <mc:Choice xmlns:p159="http://schemas.microsoft.com/office/powerpoint/2015/09/main" Requires="p159">
+      <p:transition xmlns:p14="http://schemas.microsoft.com/office/powerpoint/2010/main" spd="slow" p14:dur="2000">
+        <p159:morph option="byObject"/>
+      </p:transition>
+    </mc:Choice>
+    <mc:Fallback>
+      <p:transition spd="slow">
+        <p:fade/>
+      </p:transition>
+    </mc:Fallback>
+  </mc:AlternateContent>
 </p:sld>
 </file>
 
@@ -8571,6 +8583,18 @@
   <p:clrMapOvr>
     <a:masterClrMapping/>
   </p:clrMapOvr>
+  <mc:AlternateContent xmlns:mc="http://schemas.openxmlformats.org/markup-compatibility/2006">
+    <mc:Choice xmlns:p159="http://schemas.microsoft.com/office/powerpoint/2015/09/main" Requires="p159">
+      <p:transition xmlns:p14="http://schemas.microsoft.com/office/powerpoint/2010/main" spd="slow" p14:dur="2000">
+        <p159:morph option="byObject"/>
+      </p:transition>
+    </mc:Choice>
+    <mc:Fallback>
+      <p:transition spd="slow">
+        <p:fade/>
+      </p:transition>
+    </mc:Fallback>
+  </mc:AlternateContent>
 </p:sld>
 </file>
 
@@ -8751,6 +8775,18 @@
   <p:clrMapOvr>
     <a:masterClrMapping/>
   </p:clrMapOvr>
+  <mc:AlternateContent xmlns:mc="http://schemas.openxmlformats.org/markup-compatibility/2006">
+    <mc:Choice xmlns:p159="http://schemas.microsoft.com/office/powerpoint/2015/09/main" Requires="p159">
+      <p:transition xmlns:p14="http://schemas.microsoft.com/office/powerpoint/2010/main" spd="slow" p14:dur="2000">
+        <p159:morph option="byObject"/>
+      </p:transition>
+    </mc:Choice>
+    <mc:Fallback>
+      <p:transition spd="slow">
+        <p:fade/>
+      </p:transition>
+    </mc:Fallback>
+  </mc:AlternateContent>
 </p:sld>
 </file>
 
@@ -9138,6 +9174,18 @@
   <p:clrMapOvr>
     <a:masterClrMapping/>
   </p:clrMapOvr>
+  <mc:AlternateContent xmlns:mc="http://schemas.openxmlformats.org/markup-compatibility/2006">
+    <mc:Choice xmlns:p159="http://schemas.microsoft.com/office/powerpoint/2015/09/main" Requires="p159">
+      <p:transition xmlns:p14="http://schemas.microsoft.com/office/powerpoint/2010/main" spd="slow" p14:dur="2000">
+        <p159:morph option="byObject"/>
+      </p:transition>
+    </mc:Choice>
+    <mc:Fallback>
+      <p:transition spd="slow">
+        <p:fade/>
+      </p:transition>
+    </mc:Fallback>
+  </mc:AlternateContent>
 </p:sld>
 </file>
 
@@ -9268,6 +9316,18 @@
   <p:clrMapOvr>
     <a:masterClrMapping/>
   </p:clrMapOvr>
+  <mc:AlternateContent xmlns:mc="http://schemas.openxmlformats.org/markup-compatibility/2006">
+    <mc:Choice xmlns:p159="http://schemas.microsoft.com/office/powerpoint/2015/09/main" Requires="p159">
+      <p:transition xmlns:p14="http://schemas.microsoft.com/office/powerpoint/2010/main" spd="slow" p14:dur="2000">
+        <p159:morph option="byObject"/>
+      </p:transition>
+    </mc:Choice>
+    <mc:Fallback>
+      <p:transition spd="slow">
+        <p:fade/>
+      </p:transition>
+    </mc:Fallback>
+  </mc:AlternateContent>
 </p:sld>
 </file>
 
@@ -9387,7 +9447,7 @@
           <p:nvPr/>
         </p:nvPicPr>
         <p:blipFill rotWithShape="1">
-          <a:blip r:embed="rId2">
+          <a:blip r:embed="rId3">
             <a:extLst>
               <a:ext uri="{28A0092B-C50C-407E-A947-70E740481C1C}">
                 <a14:useLocalDpi xmlns:a14="http://schemas.microsoft.com/office/drawing/2010/main" val="0"/>
@@ -9554,7 +9614,7 @@
           <p:nvPr/>
         </p:nvPicPr>
         <p:blipFill>
-          <a:blip r:embed="rId3">
+          <a:blip r:embed="rId4">
             <a:extLst>
               <a:ext uri="{28A0092B-C50C-407E-A947-70E740481C1C}">
                 <a14:useLocalDpi xmlns:a14="http://schemas.microsoft.com/office/drawing/2010/main" val="0"/>
@@ -9585,6 +9645,28 @@
   <p:clrMapOvr>
     <a:masterClrMapping/>
   </p:clrMapOvr>
+  <mc:AlternateContent xmlns:mc="http://schemas.openxmlformats.org/markup-compatibility/2006">
+    <mc:Choice xmlns:p14="http://schemas.microsoft.com/office/powerpoint/2010/main" Requires="p14">
+      <p:transition spd="slow" p14:dur="2000">
+        <p14:flash/>
+        <p:sndAc>
+          <p:stSnd>
+            <p:snd r:embed="rId2" name="explode.wav"/>
+          </p:stSnd>
+        </p:sndAc>
+      </p:transition>
+    </mc:Choice>
+    <mc:Fallback>
+      <p:transition spd="slow">
+        <p:fade/>
+        <p:sndAc>
+          <p:stSnd>
+            <p:snd r:embed="rId2" name="explode.wav"/>
+          </p:stSnd>
+        </p:sndAc>
+      </p:transition>
+    </mc:Fallback>
+  </mc:AlternateContent>
 </p:sld>
 </file>
 
@@ -9982,6 +10064,18 @@
   <p:clrMapOvr>
     <a:masterClrMapping/>
   </p:clrMapOvr>
+  <mc:AlternateContent xmlns:mc="http://schemas.openxmlformats.org/markup-compatibility/2006">
+    <mc:Choice xmlns:p159="http://schemas.microsoft.com/office/powerpoint/2015/09/main" Requires="p159">
+      <p:transition xmlns:p14="http://schemas.microsoft.com/office/powerpoint/2010/main" spd="slow" p14:dur="2000">
+        <p159:morph option="byObject"/>
+      </p:transition>
+    </mc:Choice>
+    <mc:Fallback>
+      <p:transition spd="slow">
+        <p:fade/>
+      </p:transition>
+    </mc:Fallback>
+  </mc:AlternateContent>
 </p:sld>
 </file>
 
@@ -10134,6 +10228,18 @@
   <p:clrMapOvr>
     <a:masterClrMapping/>
   </p:clrMapOvr>
+  <mc:AlternateContent xmlns:mc="http://schemas.openxmlformats.org/markup-compatibility/2006">
+    <mc:Choice xmlns:p159="http://schemas.microsoft.com/office/powerpoint/2015/09/main" Requires="p159">
+      <p:transition xmlns:p14="http://schemas.microsoft.com/office/powerpoint/2010/main" spd="slow" p14:dur="2000">
+        <p159:morph option="byObject"/>
+      </p:transition>
+    </mc:Choice>
+    <mc:Fallback>
+      <p:transition spd="slow">
+        <p:fade/>
+      </p:transition>
+    </mc:Fallback>
+  </mc:AlternateContent>
 </p:sld>
 </file>
 
@@ -10289,6 +10395,18 @@
   <p:clrMapOvr>
     <a:masterClrMapping/>
   </p:clrMapOvr>
+  <mc:AlternateContent xmlns:mc="http://schemas.openxmlformats.org/markup-compatibility/2006">
+    <mc:Choice xmlns:p159="http://schemas.microsoft.com/office/powerpoint/2015/09/main" Requires="p159">
+      <p:transition xmlns:p14="http://schemas.microsoft.com/office/powerpoint/2010/main" spd="slow" p14:dur="2000">
+        <p159:morph option="byObject"/>
+      </p:transition>
+    </mc:Choice>
+    <mc:Fallback>
+      <p:transition spd="slow">
+        <p:fade/>
+      </p:transition>
+    </mc:Fallback>
+  </mc:AlternateContent>
 </p:sld>
 </file>
 
